--- a/1. Core Java 8/Day 3/Slides/4. Using Static Members/using-static-members-slides.pptx
+++ b/1. Core Java 8/Day 3/Slides/4. Using Static Members/using-static-members-slides.pptx
@@ -6351,7 +6351,7 @@
         <p:spPr>
           <a:xfrm>
             <a:off x="353059" y="906779"/>
-            <a:ext cx="10084435" cy="863600"/>
+            <a:ext cx="10084435" cy="858520"/>
           </a:xfrm>
           <a:prstGeom prst="rect">
             <a:avLst/>
@@ -6401,7 +6401,24 @@
                   <a:srgbClr val="FFFFFF"/>
                 </a:solidFill>
               </a:rPr>
-              <a:t>com.pluralsight.flightapp.Flight.</a:t>
+              <a:t>com.</a:t>
+            </a:r>
+            <a:r>
+              <a:rPr lang="en-US" spc="-5" dirty="0">
+                <a:solidFill>
+                  <a:srgbClr val="FFFFFF"/>
+                </a:solidFill>
+                <a:sym typeface="+mn-ea"/>
+              </a:rPr>
+              <a:t>mycompany</a:t>
+            </a:r>
+            <a:r>
+              <a:rPr spc="-5" dirty="0">
+                <a:solidFill>
+                  <a:srgbClr val="FFFFFF"/>
+                </a:solidFill>
+              </a:rPr>
+              <a:t>.flightapp.Flight.</a:t>
             </a:r>
             <a:r>
               <a:rPr spc="-5" dirty="0"/>
@@ -6460,7 +6477,24 @@
                   <a:srgbClr val="FFFFFF"/>
                 </a:solidFill>
               </a:rPr>
-              <a:t>com.pluralsight.flightapp.Flight.</a:t>
+              <a:t>com.</a:t>
+            </a:r>
+            <a:r>
+              <a:rPr lang="en-US" spc="-5" dirty="0">
+                <a:solidFill>
+                  <a:srgbClr val="FFFFFF"/>
+                </a:solidFill>
+                <a:sym typeface="+mn-ea"/>
+              </a:rPr>
+              <a:t>mycompany</a:t>
+            </a:r>
+            <a:r>
+              <a:rPr spc="-5" dirty="0">
+                <a:solidFill>
+                  <a:srgbClr val="FFFFFF"/>
+                </a:solidFill>
+              </a:rPr>
+              <a:t>.flightapp.Flight.</a:t>
             </a:r>
             <a:r>
               <a:rPr spc="-5" dirty="0"/>
@@ -7084,7 +7118,7 @@
         <p:spPr>
           <a:xfrm>
             <a:off x="353059" y="906779"/>
-            <a:ext cx="10084435" cy="863600"/>
+            <a:ext cx="10084435" cy="858520"/>
           </a:xfrm>
           <a:prstGeom prst="rect">
             <a:avLst/>
@@ -7134,7 +7168,24 @@
                   <a:srgbClr val="FFFFFF"/>
                 </a:solidFill>
               </a:rPr>
-              <a:t>com.pluralsight.flightapp.Flight.</a:t>
+              <a:t>com.</a:t>
+            </a:r>
+            <a:r>
+              <a:rPr lang="en-US" spc="-5" dirty="0">
+                <a:solidFill>
+                  <a:srgbClr val="FFFFFF"/>
+                </a:solidFill>
+                <a:sym typeface="+mn-ea"/>
+              </a:rPr>
+              <a:t>mycompany</a:t>
+            </a:r>
+            <a:r>
+              <a:rPr spc="-5" dirty="0">
+                <a:solidFill>
+                  <a:srgbClr val="FFFFFF"/>
+                </a:solidFill>
+              </a:rPr>
+              <a:t>.flightapp.Flight.</a:t>
             </a:r>
             <a:r>
               <a:rPr spc="-5" dirty="0"/>
@@ -7193,7 +7244,24 @@
                   <a:srgbClr val="FFFFFF"/>
                 </a:solidFill>
               </a:rPr>
-              <a:t>com.pluralsight.flightapp.Flight.</a:t>
+              <a:t>com.</a:t>
+            </a:r>
+            <a:r>
+              <a:rPr lang="en-US" spc="-5" dirty="0">
+                <a:solidFill>
+                  <a:srgbClr val="FFFFFF"/>
+                </a:solidFill>
+                <a:sym typeface="+mn-ea"/>
+              </a:rPr>
+              <a:t>mycompany</a:t>
+            </a:r>
+            <a:r>
+              <a:rPr spc="-5" dirty="0">
+                <a:solidFill>
+                  <a:srgbClr val="FFFFFF"/>
+                </a:solidFill>
+              </a:rPr>
+              <a:t>.flightapp.Flight.</a:t>
             </a:r>
             <a:r>
               <a:rPr spc="-5" dirty="0"/>
@@ -7807,7 +7875,7 @@
         <p:spPr>
           <a:xfrm>
             <a:off x="272372" y="896566"/>
-            <a:ext cx="10229215" cy="995680"/>
+            <a:ext cx="10229215" cy="330200"/>
           </a:xfrm>
           <a:prstGeom prst="rect">
             <a:avLst/>
@@ -7865,7 +7933,23 @@
                   <a:srgbClr val="FFFFFF"/>
                 </a:solidFill>
               </a:rPr>
-              <a:t>com.pluralsight.flightapp.Flight.</a:t>
+              <a:t>com.</a:t>
+            </a:r>
+            <a:r>
+              <a:rPr lang="en-US" spc="-5" dirty="0">
+                <a:solidFill>
+                  <a:srgbClr val="FFFFFF"/>
+                </a:solidFill>
+              </a:rPr>
+              <a:t>mycompany</a:t>
+            </a:r>
+            <a:r>
+              <a:rPr spc="-5" dirty="0">
+                <a:solidFill>
+                  <a:srgbClr val="FFFFFF"/>
+                </a:solidFill>
+              </a:rPr>
+              <a:t>.flightapp.Flight.</a:t>
             </a:r>
             <a:r>
               <a:rPr spc="-5" dirty="0"/>
